--- a/스토리보드/3학년/3차/한대희/suhi_h_0301_03_0001_v2.pptx
+++ b/스토리보드/3학년/3차/한대희/suhi_h_0301_03_0001_v2.pptx
@@ -14369,7 +14369,7 @@
             <p:cNvPr id="79" name="그림 78">
               <a:extLst>
                 <a:ext uri="{FF2B5EF4-FFF2-40B4-BE49-F238E27FC236}">
-                  <a16:creationId xmlns:lc="http://schemas.openxmlformats.org/drawingml/2006/lockedCanvas" xmlns:a16="http://schemas.microsoft.com/office/drawing/2014/main" xmlns="" id="{DEEB3194-430D-4A4E-8DEF-5B08710B8A78}"/>
+                  <a16:creationId xmlns="" xmlns:a16="http://schemas.microsoft.com/office/drawing/2014/main" xmlns:lc="http://schemas.openxmlformats.org/drawingml/2006/lockedCanvas" id="{DEEB3194-430D-4A4E-8DEF-5B08710B8A78}"/>
                 </a:ext>
               </a:extLst>
             </p:cNvPr>
@@ -14617,7 +14617,7 @@
             <p:cNvPr id="82" name="그림 81">
               <a:extLst>
                 <a:ext uri="{FF2B5EF4-FFF2-40B4-BE49-F238E27FC236}">
-                  <a16:creationId xmlns:lc="http://schemas.openxmlformats.org/drawingml/2006/lockedCanvas" xmlns:a16="http://schemas.microsoft.com/office/drawing/2014/main" xmlns="" id="{DEEB3194-430D-4A4E-8DEF-5B08710B8A78}"/>
+                  <a16:creationId xmlns="" xmlns:a16="http://schemas.microsoft.com/office/drawing/2014/main" xmlns:lc="http://schemas.openxmlformats.org/drawingml/2006/lockedCanvas" id="{DEEB3194-430D-4A4E-8DEF-5B08710B8A78}"/>
                 </a:ext>
               </a:extLst>
             </p:cNvPr>
@@ -14865,7 +14865,7 @@
             <p:cNvPr id="85" name="그림 84">
               <a:extLst>
                 <a:ext uri="{FF2B5EF4-FFF2-40B4-BE49-F238E27FC236}">
-                  <a16:creationId xmlns:lc="http://schemas.openxmlformats.org/drawingml/2006/lockedCanvas" xmlns:a16="http://schemas.microsoft.com/office/drawing/2014/main" xmlns="" id="{DEEB3194-430D-4A4E-8DEF-5B08710B8A78}"/>
+                  <a16:creationId xmlns="" xmlns:a16="http://schemas.microsoft.com/office/drawing/2014/main" xmlns:lc="http://schemas.openxmlformats.org/drawingml/2006/lockedCanvas" id="{DEEB3194-430D-4A4E-8DEF-5B08710B8A78}"/>
                 </a:ext>
               </a:extLst>
             </p:cNvPr>
@@ -15666,6 +15666,58 @@
           </a:p>
         </p:txBody>
       </p:sp>
+      <p:sp>
+        <p:nvSpPr>
+          <p:cNvPr id="47" name="타원 46"/>
+          <p:cNvSpPr/>
+          <p:nvPr/>
+        </p:nvSpPr>
+        <p:spPr>
+          <a:xfrm>
+            <a:off x="7416316" y="4509120"/>
+            <a:ext cx="1224136" cy="1260140"/>
+          </a:xfrm>
+          <a:prstGeom prst="ellipse">
+            <a:avLst/>
+          </a:prstGeom>
+          <a:solidFill>
+            <a:srgbClr val="00B0F0"/>
+          </a:solidFill>
+          <a:ln w="12700">
+            <a:solidFill>
+              <a:srgbClr val="FF0000"/>
+            </a:solidFill>
+          </a:ln>
+        </p:spPr>
+        <p:style>
+          <a:lnRef idx="2">
+            <a:schemeClr val="accent1">
+              <a:shade val="50000"/>
+            </a:schemeClr>
+          </a:lnRef>
+          <a:fillRef idx="1">
+            <a:schemeClr val="accent1"/>
+          </a:fillRef>
+          <a:effectRef idx="0">
+            <a:schemeClr val="accent1"/>
+          </a:effectRef>
+          <a:fontRef idx="minor">
+            <a:schemeClr val="lt1"/>
+          </a:fontRef>
+        </p:style>
+        <p:txBody>
+          <a:bodyPr rtlCol="0" anchor="ctr"/>
+          <a:lstStyle/>
+          <a:p>
+            <a:pPr algn="ctr"/>
+            <a:r>
+              <a:rPr lang="ko-KR" altLang="en-US" sz="1800" b="1" smtClean="0"/>
+              <a:t>완료</a:t>
+            </a:r>
+            <a:endParaRPr lang="ko-KR" altLang="en-US" sz="1800" b="1"/>
+          </a:p>
+        </p:txBody>
+      </p:sp>
     </p:spTree>
     <p:extLst>
       <p:ext uri="{BB962C8B-B14F-4D97-AF65-F5344CB8AC3E}">
@@ -15921,7 +15973,7 @@
             <p:cNvPr id="84" name="그림 83">
               <a:extLst>
                 <a:ext uri="{FF2B5EF4-FFF2-40B4-BE49-F238E27FC236}">
-                  <a16:creationId xmlns:lc="http://schemas.openxmlformats.org/drawingml/2006/lockedCanvas" xmlns:a16="http://schemas.microsoft.com/office/drawing/2014/main" xmlns="" id="{DEEB3194-430D-4A4E-8DEF-5B08710B8A78}"/>
+                  <a16:creationId xmlns="" xmlns:a16="http://schemas.microsoft.com/office/drawing/2014/main" xmlns:lc="http://schemas.openxmlformats.org/drawingml/2006/lockedCanvas" id="{DEEB3194-430D-4A4E-8DEF-5B08710B8A78}"/>
                 </a:ext>
               </a:extLst>
             </p:cNvPr>
@@ -16165,7 +16217,7 @@
             <p:cNvPr id="87" name="그림 86">
               <a:extLst>
                 <a:ext uri="{FF2B5EF4-FFF2-40B4-BE49-F238E27FC236}">
-                  <a16:creationId xmlns:lc="http://schemas.openxmlformats.org/drawingml/2006/lockedCanvas" xmlns:a16="http://schemas.microsoft.com/office/drawing/2014/main" xmlns="" id="{DEEB3194-430D-4A4E-8DEF-5B08710B8A78}"/>
+                  <a16:creationId xmlns="" xmlns:a16="http://schemas.microsoft.com/office/drawing/2014/main" xmlns:lc="http://schemas.openxmlformats.org/drawingml/2006/lockedCanvas" id="{DEEB3194-430D-4A4E-8DEF-5B08710B8A78}"/>
                 </a:ext>
               </a:extLst>
             </p:cNvPr>
@@ -16409,7 +16461,7 @@
             <p:cNvPr id="94" name="그림 93">
               <a:extLst>
                 <a:ext uri="{FF2B5EF4-FFF2-40B4-BE49-F238E27FC236}">
-                  <a16:creationId xmlns:lc="http://schemas.openxmlformats.org/drawingml/2006/lockedCanvas" xmlns:a16="http://schemas.microsoft.com/office/drawing/2014/main" xmlns="" id="{DEEB3194-430D-4A4E-8DEF-5B08710B8A78}"/>
+                  <a16:creationId xmlns="" xmlns:a16="http://schemas.microsoft.com/office/drawing/2014/main" xmlns:lc="http://schemas.openxmlformats.org/drawingml/2006/lockedCanvas" id="{DEEB3194-430D-4A4E-8DEF-5B08710B8A78}"/>
                 </a:ext>
               </a:extLst>
             </p:cNvPr>
@@ -16657,7 +16709,7 @@
             <p:cNvPr id="98" name="그림 97">
               <a:extLst>
                 <a:ext uri="{FF2B5EF4-FFF2-40B4-BE49-F238E27FC236}">
-                  <a16:creationId xmlns:lc="http://schemas.openxmlformats.org/drawingml/2006/lockedCanvas" xmlns:a16="http://schemas.microsoft.com/office/drawing/2014/main" xmlns="" id="{DEEB3194-430D-4A4E-8DEF-5B08710B8A78}"/>
+                  <a16:creationId xmlns="" xmlns:a16="http://schemas.microsoft.com/office/drawing/2014/main" xmlns:lc="http://schemas.openxmlformats.org/drawingml/2006/lockedCanvas" id="{DEEB3194-430D-4A4E-8DEF-5B08710B8A78}"/>
                 </a:ext>
               </a:extLst>
             </p:cNvPr>
@@ -16901,7 +16953,7 @@
             <p:cNvPr id="104" name="그림 103">
               <a:extLst>
                 <a:ext uri="{FF2B5EF4-FFF2-40B4-BE49-F238E27FC236}">
-                  <a16:creationId xmlns:lc="http://schemas.openxmlformats.org/drawingml/2006/lockedCanvas" xmlns:a16="http://schemas.microsoft.com/office/drawing/2014/main" xmlns="" id="{DEEB3194-430D-4A4E-8DEF-5B08710B8A78}"/>
+                  <a16:creationId xmlns="" xmlns:a16="http://schemas.microsoft.com/office/drawing/2014/main" xmlns:lc="http://schemas.openxmlformats.org/drawingml/2006/lockedCanvas" id="{DEEB3194-430D-4A4E-8DEF-5B08710B8A78}"/>
                 </a:ext>
               </a:extLst>
             </p:cNvPr>
@@ -17145,7 +17197,7 @@
             <p:cNvPr id="101" name="그림 100">
               <a:extLst>
                 <a:ext uri="{FF2B5EF4-FFF2-40B4-BE49-F238E27FC236}">
-                  <a16:creationId xmlns:lc="http://schemas.openxmlformats.org/drawingml/2006/lockedCanvas" xmlns:a16="http://schemas.microsoft.com/office/drawing/2014/main" xmlns="" id="{DEEB3194-430D-4A4E-8DEF-5B08710B8A78}"/>
+                  <a16:creationId xmlns="" xmlns:a16="http://schemas.microsoft.com/office/drawing/2014/main" xmlns:lc="http://schemas.openxmlformats.org/drawingml/2006/lockedCanvas" id="{DEEB3194-430D-4A4E-8DEF-5B08710B8A78}"/>
                 </a:ext>
               </a:extLst>
             </p:cNvPr>
@@ -19511,6 +19563,58 @@
           </a:p>
         </p:txBody>
       </p:sp>
+      <p:sp>
+        <p:nvSpPr>
+          <p:cNvPr id="57" name="타원 56"/>
+          <p:cNvSpPr/>
+          <p:nvPr/>
+        </p:nvSpPr>
+        <p:spPr>
+          <a:xfrm>
+            <a:off x="7416316" y="4509120"/>
+            <a:ext cx="1224136" cy="1260140"/>
+          </a:xfrm>
+          <a:prstGeom prst="ellipse">
+            <a:avLst/>
+          </a:prstGeom>
+          <a:solidFill>
+            <a:srgbClr val="00B0F0"/>
+          </a:solidFill>
+          <a:ln w="12700">
+            <a:solidFill>
+              <a:srgbClr val="FF0000"/>
+            </a:solidFill>
+          </a:ln>
+        </p:spPr>
+        <p:style>
+          <a:lnRef idx="2">
+            <a:schemeClr val="accent1">
+              <a:shade val="50000"/>
+            </a:schemeClr>
+          </a:lnRef>
+          <a:fillRef idx="1">
+            <a:schemeClr val="accent1"/>
+          </a:fillRef>
+          <a:effectRef idx="0">
+            <a:schemeClr val="accent1"/>
+          </a:effectRef>
+          <a:fontRef idx="minor">
+            <a:schemeClr val="lt1"/>
+          </a:fontRef>
+        </p:style>
+        <p:txBody>
+          <a:bodyPr rtlCol="0" anchor="ctr"/>
+          <a:lstStyle/>
+          <a:p>
+            <a:pPr algn="ctr"/>
+            <a:r>
+              <a:rPr lang="ko-KR" altLang="en-US" sz="1800" b="1" smtClean="0"/>
+              <a:t>완료</a:t>
+            </a:r>
+            <a:endParaRPr lang="ko-KR" altLang="en-US" sz="1800" b="1"/>
+          </a:p>
+        </p:txBody>
+      </p:sp>
     </p:spTree>
     <p:extLst>
       <p:ext uri="{BB962C8B-B14F-4D97-AF65-F5344CB8AC3E}">
@@ -21024,7 +21128,7 @@
           <p:cNvPr id="81" name="그림 80">
             <a:extLst>
               <a:ext uri="{FF2B5EF4-FFF2-40B4-BE49-F238E27FC236}">
-                <a16:creationId xmlns:a16="http://schemas.microsoft.com/office/drawing/2014/main" xmlns="" id="{DEEB3194-430D-4A4E-8DEF-5B08710B8A78}"/>
+                <a16:creationId xmlns="" xmlns:a16="http://schemas.microsoft.com/office/drawing/2014/main" id="{DEEB3194-430D-4A4E-8DEF-5B08710B8A78}"/>
               </a:ext>
             </a:extLst>
           </p:cNvPr>
@@ -21835,6 +21939,58 @@
           </a:p>
         </p:txBody>
       </p:sp>
+      <p:sp>
+        <p:nvSpPr>
+          <p:cNvPr id="28" name="타원 27"/>
+          <p:cNvSpPr/>
+          <p:nvPr/>
+        </p:nvSpPr>
+        <p:spPr>
+          <a:xfrm>
+            <a:off x="7416316" y="4509120"/>
+            <a:ext cx="1224136" cy="1260140"/>
+          </a:xfrm>
+          <a:prstGeom prst="ellipse">
+            <a:avLst/>
+          </a:prstGeom>
+          <a:solidFill>
+            <a:srgbClr val="00B0F0"/>
+          </a:solidFill>
+          <a:ln w="12700">
+            <a:solidFill>
+              <a:srgbClr val="FF0000"/>
+            </a:solidFill>
+          </a:ln>
+        </p:spPr>
+        <p:style>
+          <a:lnRef idx="2">
+            <a:schemeClr val="accent1">
+              <a:shade val="50000"/>
+            </a:schemeClr>
+          </a:lnRef>
+          <a:fillRef idx="1">
+            <a:schemeClr val="accent1"/>
+          </a:fillRef>
+          <a:effectRef idx="0">
+            <a:schemeClr val="accent1"/>
+          </a:effectRef>
+          <a:fontRef idx="minor">
+            <a:schemeClr val="lt1"/>
+          </a:fontRef>
+        </p:style>
+        <p:txBody>
+          <a:bodyPr rtlCol="0" anchor="ctr"/>
+          <a:lstStyle/>
+          <a:p>
+            <a:pPr algn="ctr"/>
+            <a:r>
+              <a:rPr lang="ko-KR" altLang="en-US" sz="1800" b="1" smtClean="0"/>
+              <a:t>완료</a:t>
+            </a:r>
+            <a:endParaRPr lang="ko-KR" altLang="en-US" sz="1800" b="1"/>
+          </a:p>
+        </p:txBody>
+      </p:sp>
     </p:spTree>
     <p:extLst>
       <p:ext uri="{BB962C8B-B14F-4D97-AF65-F5344CB8AC3E}">
@@ -24409,6 +24565,58 @@
               <a:latin typeface="맑은 고딕" pitchFamily="50" charset="-127"/>
               <a:ea typeface="맑은 고딕" pitchFamily="50" charset="-127"/>
             </a:endParaRPr>
+          </a:p>
+        </p:txBody>
+      </p:sp>
+      <p:sp>
+        <p:nvSpPr>
+          <p:cNvPr id="34" name="타원 33"/>
+          <p:cNvSpPr/>
+          <p:nvPr/>
+        </p:nvSpPr>
+        <p:spPr>
+          <a:xfrm>
+            <a:off x="7416316" y="4509120"/>
+            <a:ext cx="1224136" cy="1260140"/>
+          </a:xfrm>
+          <a:prstGeom prst="ellipse">
+            <a:avLst/>
+          </a:prstGeom>
+          <a:solidFill>
+            <a:srgbClr val="00B0F0"/>
+          </a:solidFill>
+          <a:ln w="12700">
+            <a:solidFill>
+              <a:srgbClr val="FF0000"/>
+            </a:solidFill>
+          </a:ln>
+        </p:spPr>
+        <p:style>
+          <a:lnRef idx="2">
+            <a:schemeClr val="accent1">
+              <a:shade val="50000"/>
+            </a:schemeClr>
+          </a:lnRef>
+          <a:fillRef idx="1">
+            <a:schemeClr val="accent1"/>
+          </a:fillRef>
+          <a:effectRef idx="0">
+            <a:schemeClr val="accent1"/>
+          </a:effectRef>
+          <a:fontRef idx="minor">
+            <a:schemeClr val="lt1"/>
+          </a:fontRef>
+        </p:style>
+        <p:txBody>
+          <a:bodyPr rtlCol="0" anchor="ctr"/>
+          <a:lstStyle/>
+          <a:p>
+            <a:pPr algn="ctr"/>
+            <a:r>
+              <a:rPr lang="ko-KR" altLang="en-US" sz="1800" b="1" smtClean="0"/>
+              <a:t>완료</a:t>
+            </a:r>
+            <a:endParaRPr lang="ko-KR" altLang="en-US" sz="1800" b="1"/>
           </a:p>
         </p:txBody>
       </p:sp>
@@ -27743,6 +27951,58 @@
               <a:latin typeface="맑은 고딕" pitchFamily="50" charset="-127"/>
               <a:ea typeface="맑은 고딕" pitchFamily="50" charset="-127"/>
             </a:endParaRPr>
+          </a:p>
+        </p:txBody>
+      </p:sp>
+      <p:sp>
+        <p:nvSpPr>
+          <p:cNvPr id="32" name="타원 31"/>
+          <p:cNvSpPr/>
+          <p:nvPr/>
+        </p:nvSpPr>
+        <p:spPr>
+          <a:xfrm>
+            <a:off x="7416316" y="4509120"/>
+            <a:ext cx="1224136" cy="1260140"/>
+          </a:xfrm>
+          <a:prstGeom prst="ellipse">
+            <a:avLst/>
+          </a:prstGeom>
+          <a:solidFill>
+            <a:srgbClr val="00B0F0"/>
+          </a:solidFill>
+          <a:ln w="12700">
+            <a:solidFill>
+              <a:srgbClr val="FF0000"/>
+            </a:solidFill>
+          </a:ln>
+        </p:spPr>
+        <p:style>
+          <a:lnRef idx="2">
+            <a:schemeClr val="accent1">
+              <a:shade val="50000"/>
+            </a:schemeClr>
+          </a:lnRef>
+          <a:fillRef idx="1">
+            <a:schemeClr val="accent1"/>
+          </a:fillRef>
+          <a:effectRef idx="0">
+            <a:schemeClr val="accent1"/>
+          </a:effectRef>
+          <a:fontRef idx="minor">
+            <a:schemeClr val="lt1"/>
+          </a:fontRef>
+        </p:style>
+        <p:txBody>
+          <a:bodyPr rtlCol="0" anchor="ctr"/>
+          <a:lstStyle/>
+          <a:p>
+            <a:pPr algn="ctr"/>
+            <a:r>
+              <a:rPr lang="ko-KR" altLang="en-US" sz="1800" b="1" smtClean="0"/>
+              <a:t>완료</a:t>
+            </a:r>
+            <a:endParaRPr lang="ko-KR" altLang="en-US" sz="1800" b="1"/>
           </a:p>
         </p:txBody>
       </p:sp>
@@ -29451,6 +29711,58 @@
           </a:graphicData>
         </a:graphic>
       </p:graphicFrame>
+      <p:sp>
+        <p:nvSpPr>
+          <p:cNvPr id="3" name="타원 2"/>
+          <p:cNvSpPr/>
+          <p:nvPr/>
+        </p:nvSpPr>
+        <p:spPr>
+          <a:xfrm>
+            <a:off x="7416316" y="4509120"/>
+            <a:ext cx="1224136" cy="1260140"/>
+          </a:xfrm>
+          <a:prstGeom prst="ellipse">
+            <a:avLst/>
+          </a:prstGeom>
+          <a:solidFill>
+            <a:srgbClr val="00B0F0"/>
+          </a:solidFill>
+          <a:ln w="12700">
+            <a:solidFill>
+              <a:srgbClr val="FF0000"/>
+            </a:solidFill>
+          </a:ln>
+        </p:spPr>
+        <p:style>
+          <a:lnRef idx="2">
+            <a:schemeClr val="accent1">
+              <a:shade val="50000"/>
+            </a:schemeClr>
+          </a:lnRef>
+          <a:fillRef idx="1">
+            <a:schemeClr val="accent1"/>
+          </a:fillRef>
+          <a:effectRef idx="0">
+            <a:schemeClr val="accent1"/>
+          </a:effectRef>
+          <a:fontRef idx="minor">
+            <a:schemeClr val="lt1"/>
+          </a:fontRef>
+        </p:style>
+        <p:txBody>
+          <a:bodyPr rtlCol="0" anchor="ctr"/>
+          <a:lstStyle/>
+          <a:p>
+            <a:pPr algn="ctr"/>
+            <a:r>
+              <a:rPr lang="ko-KR" altLang="en-US" sz="1800" b="1" smtClean="0"/>
+              <a:t>완료</a:t>
+            </a:r>
+            <a:endParaRPr lang="ko-KR" altLang="en-US" sz="1800" b="1"/>
+          </a:p>
+        </p:txBody>
+      </p:sp>
     </p:spTree>
     <p:extLst>
       <p:ext uri="{BB962C8B-B14F-4D97-AF65-F5344CB8AC3E}">
@@ -31316,6 +31628,58 @@
           </a:p>
         </p:txBody>
       </p:sp>
+      <p:sp>
+        <p:nvSpPr>
+          <p:cNvPr id="35" name="타원 34"/>
+          <p:cNvSpPr/>
+          <p:nvPr/>
+        </p:nvSpPr>
+        <p:spPr>
+          <a:xfrm>
+            <a:off x="7416316" y="4509120"/>
+            <a:ext cx="1224136" cy="1260140"/>
+          </a:xfrm>
+          <a:prstGeom prst="ellipse">
+            <a:avLst/>
+          </a:prstGeom>
+          <a:solidFill>
+            <a:srgbClr val="00B0F0"/>
+          </a:solidFill>
+          <a:ln w="12700">
+            <a:solidFill>
+              <a:srgbClr val="FF0000"/>
+            </a:solidFill>
+          </a:ln>
+        </p:spPr>
+        <p:style>
+          <a:lnRef idx="2">
+            <a:schemeClr val="accent1">
+              <a:shade val="50000"/>
+            </a:schemeClr>
+          </a:lnRef>
+          <a:fillRef idx="1">
+            <a:schemeClr val="accent1"/>
+          </a:fillRef>
+          <a:effectRef idx="0">
+            <a:schemeClr val="accent1"/>
+          </a:effectRef>
+          <a:fontRef idx="minor">
+            <a:schemeClr val="lt1"/>
+          </a:fontRef>
+        </p:style>
+        <p:txBody>
+          <a:bodyPr rtlCol="0" anchor="ctr"/>
+          <a:lstStyle/>
+          <a:p>
+            <a:pPr algn="ctr"/>
+            <a:r>
+              <a:rPr lang="ko-KR" altLang="en-US" sz="1800" b="1" smtClean="0"/>
+              <a:t>완료</a:t>
+            </a:r>
+            <a:endParaRPr lang="ko-KR" altLang="en-US" sz="1800" b="1"/>
+          </a:p>
+        </p:txBody>
+      </p:sp>
     </p:spTree>
     <p:extLst>
       <p:ext uri="{BB962C8B-B14F-4D97-AF65-F5344CB8AC3E}">
@@ -33021,6 +33385,58 @@
           </a:graphicData>
         </a:graphic>
       </p:graphicFrame>
+      <p:sp>
+        <p:nvSpPr>
+          <p:cNvPr id="26" name="타원 25"/>
+          <p:cNvSpPr/>
+          <p:nvPr/>
+        </p:nvSpPr>
+        <p:spPr>
+          <a:xfrm>
+            <a:off x="7416316" y="4509120"/>
+            <a:ext cx="1224136" cy="1260140"/>
+          </a:xfrm>
+          <a:prstGeom prst="ellipse">
+            <a:avLst/>
+          </a:prstGeom>
+          <a:solidFill>
+            <a:srgbClr val="00B0F0"/>
+          </a:solidFill>
+          <a:ln w="12700">
+            <a:solidFill>
+              <a:srgbClr val="FF0000"/>
+            </a:solidFill>
+          </a:ln>
+        </p:spPr>
+        <p:style>
+          <a:lnRef idx="2">
+            <a:schemeClr val="accent1">
+              <a:shade val="50000"/>
+            </a:schemeClr>
+          </a:lnRef>
+          <a:fillRef idx="1">
+            <a:schemeClr val="accent1"/>
+          </a:fillRef>
+          <a:effectRef idx="0">
+            <a:schemeClr val="accent1"/>
+          </a:effectRef>
+          <a:fontRef idx="minor">
+            <a:schemeClr val="lt1"/>
+          </a:fontRef>
+        </p:style>
+        <p:txBody>
+          <a:bodyPr rtlCol="0" anchor="ctr"/>
+          <a:lstStyle/>
+          <a:p>
+            <a:pPr algn="ctr"/>
+            <a:r>
+              <a:rPr lang="ko-KR" altLang="en-US" sz="1800" b="1" smtClean="0"/>
+              <a:t>완료</a:t>
+            </a:r>
+            <a:endParaRPr lang="ko-KR" altLang="en-US" sz="1800" b="1"/>
+          </a:p>
+        </p:txBody>
+      </p:sp>
     </p:spTree>
     <p:extLst>
       <p:ext uri="{BB962C8B-B14F-4D97-AF65-F5344CB8AC3E}">
@@ -34276,6 +34692,10 @@
               </a:rPr>
               <a:t>.</a:t>
             </a:r>
+            <a:endParaRPr lang="en-US" altLang="ko-KR" sz="1600" dirty="0" smtClean="0">
+              <a:latin typeface="맑은 고딕" pitchFamily="50" charset="-127"/>
+              <a:ea typeface="맑은 고딕" pitchFamily="50" charset="-127"/>
+            </a:endParaRPr>
           </a:p>
         </p:txBody>
       </p:sp>
@@ -34864,6 +35284,58 @@
           </a:graphicData>
         </a:graphic>
       </p:graphicFrame>
+      <p:sp>
+        <p:nvSpPr>
+          <p:cNvPr id="28" name="타원 27"/>
+          <p:cNvSpPr/>
+          <p:nvPr/>
+        </p:nvSpPr>
+        <p:spPr>
+          <a:xfrm>
+            <a:off x="7416316" y="4509120"/>
+            <a:ext cx="1224136" cy="1260140"/>
+          </a:xfrm>
+          <a:prstGeom prst="ellipse">
+            <a:avLst/>
+          </a:prstGeom>
+          <a:solidFill>
+            <a:srgbClr val="00B0F0"/>
+          </a:solidFill>
+          <a:ln w="12700">
+            <a:solidFill>
+              <a:srgbClr val="FF0000"/>
+            </a:solidFill>
+          </a:ln>
+        </p:spPr>
+        <p:style>
+          <a:lnRef idx="2">
+            <a:schemeClr val="accent1">
+              <a:shade val="50000"/>
+            </a:schemeClr>
+          </a:lnRef>
+          <a:fillRef idx="1">
+            <a:schemeClr val="accent1"/>
+          </a:fillRef>
+          <a:effectRef idx="0">
+            <a:schemeClr val="accent1"/>
+          </a:effectRef>
+          <a:fontRef idx="minor">
+            <a:schemeClr val="lt1"/>
+          </a:fontRef>
+        </p:style>
+        <p:txBody>
+          <a:bodyPr rtlCol="0" anchor="ctr"/>
+          <a:lstStyle/>
+          <a:p>
+            <a:pPr algn="ctr"/>
+            <a:r>
+              <a:rPr lang="ko-KR" altLang="en-US" sz="1800" b="1" smtClean="0"/>
+              <a:t>완료</a:t>
+            </a:r>
+            <a:endParaRPr lang="ko-KR" altLang="en-US" sz="1800" b="1"/>
+          </a:p>
+        </p:txBody>
+      </p:sp>
     </p:spTree>
     <p:extLst>
       <p:ext uri="{BB962C8B-B14F-4D97-AF65-F5344CB8AC3E}">
@@ -37129,7 +37601,7 @@
           <p:cNvPr id="72" name="그림 71">
             <a:extLst>
               <a:ext uri="{FF2B5EF4-FFF2-40B4-BE49-F238E27FC236}">
-                <a16:creationId xmlns:a16="http://schemas.microsoft.com/office/drawing/2014/main" xmlns="" id="{DEEB3194-430D-4A4E-8DEF-5B08710B8A78}"/>
+                <a16:creationId xmlns="" xmlns:a16="http://schemas.microsoft.com/office/drawing/2014/main" id="{DEEB3194-430D-4A4E-8DEF-5B08710B8A78}"/>
               </a:ext>
             </a:extLst>
           </p:cNvPr>
@@ -37159,7 +37631,7 @@
           <p:cNvPr id="73" name="그림 72">
             <a:extLst>
               <a:ext uri="{FF2B5EF4-FFF2-40B4-BE49-F238E27FC236}">
-                <a16:creationId xmlns:a16="http://schemas.microsoft.com/office/drawing/2014/main" xmlns="" id="{DEEB3194-430D-4A4E-8DEF-5B08710B8A78}"/>
+                <a16:creationId xmlns="" xmlns:a16="http://schemas.microsoft.com/office/drawing/2014/main" id="{DEEB3194-430D-4A4E-8DEF-5B08710B8A78}"/>
               </a:ext>
             </a:extLst>
           </p:cNvPr>
@@ -38178,7 +38650,7 @@
           <p:cNvPr id="80" name="그림 79">
             <a:extLst>
               <a:ext uri="{FF2B5EF4-FFF2-40B4-BE49-F238E27FC236}">
-                <a16:creationId xmlns:a16="http://schemas.microsoft.com/office/drawing/2014/main" xmlns="" id="{DEEB3194-430D-4A4E-8DEF-5B08710B8A78}"/>
+                <a16:creationId xmlns="" xmlns:a16="http://schemas.microsoft.com/office/drawing/2014/main" id="{DEEB3194-430D-4A4E-8DEF-5B08710B8A78}"/>
               </a:ext>
             </a:extLst>
           </p:cNvPr>
@@ -38208,7 +38680,7 @@
           <p:cNvPr id="81" name="그림 80">
             <a:extLst>
               <a:ext uri="{FF2B5EF4-FFF2-40B4-BE49-F238E27FC236}">
-                <a16:creationId xmlns:a16="http://schemas.microsoft.com/office/drawing/2014/main" xmlns="" id="{DEEB3194-430D-4A4E-8DEF-5B08710B8A78}"/>
+                <a16:creationId xmlns="" xmlns:a16="http://schemas.microsoft.com/office/drawing/2014/main" id="{DEEB3194-430D-4A4E-8DEF-5B08710B8A78}"/>
               </a:ext>
             </a:extLst>
           </p:cNvPr>
@@ -38573,6 +39045,58 @@
           </a:graphicData>
         </a:graphic>
       </p:graphicFrame>
+      <p:sp>
+        <p:nvSpPr>
+          <p:cNvPr id="52" name="타원 51"/>
+          <p:cNvSpPr/>
+          <p:nvPr/>
+        </p:nvSpPr>
+        <p:spPr>
+          <a:xfrm>
+            <a:off x="7416316" y="4509120"/>
+            <a:ext cx="1224136" cy="1260140"/>
+          </a:xfrm>
+          <a:prstGeom prst="ellipse">
+            <a:avLst/>
+          </a:prstGeom>
+          <a:solidFill>
+            <a:srgbClr val="00B0F0"/>
+          </a:solidFill>
+          <a:ln w="12700">
+            <a:solidFill>
+              <a:srgbClr val="FF0000"/>
+            </a:solidFill>
+          </a:ln>
+        </p:spPr>
+        <p:style>
+          <a:lnRef idx="2">
+            <a:schemeClr val="accent1">
+              <a:shade val="50000"/>
+            </a:schemeClr>
+          </a:lnRef>
+          <a:fillRef idx="1">
+            <a:schemeClr val="accent1"/>
+          </a:fillRef>
+          <a:effectRef idx="0">
+            <a:schemeClr val="accent1"/>
+          </a:effectRef>
+          <a:fontRef idx="minor">
+            <a:schemeClr val="lt1"/>
+          </a:fontRef>
+        </p:style>
+        <p:txBody>
+          <a:bodyPr rtlCol="0" anchor="ctr"/>
+          <a:lstStyle/>
+          <a:p>
+            <a:pPr algn="ctr"/>
+            <a:r>
+              <a:rPr lang="ko-KR" altLang="en-US" sz="1800" b="1" smtClean="0"/>
+              <a:t>완료</a:t>
+            </a:r>
+            <a:endParaRPr lang="ko-KR" altLang="en-US" sz="1800" b="1"/>
+          </a:p>
+        </p:txBody>
+      </p:sp>
     </p:spTree>
     <p:extLst>
       <p:ext uri="{BB962C8B-B14F-4D97-AF65-F5344CB8AC3E}">
@@ -41138,7 +41662,7 @@
             <p:cNvPr id="70" name="그림 69">
               <a:extLst>
                 <a:ext uri="{FF2B5EF4-FFF2-40B4-BE49-F238E27FC236}">
-                  <a16:creationId xmlns:lc="http://schemas.openxmlformats.org/drawingml/2006/lockedCanvas" xmlns:a16="http://schemas.microsoft.com/office/drawing/2014/main" xmlns="" id="{DEEB3194-430D-4A4E-8DEF-5B08710B8A78}"/>
+                  <a16:creationId xmlns="" xmlns:a16="http://schemas.microsoft.com/office/drawing/2014/main" xmlns:lc="http://schemas.openxmlformats.org/drawingml/2006/lockedCanvas" id="{DEEB3194-430D-4A4E-8DEF-5B08710B8A78}"/>
                 </a:ext>
               </a:extLst>
             </p:cNvPr>
@@ -41386,7 +41910,7 @@
             <p:cNvPr id="67" name="그림 66">
               <a:extLst>
                 <a:ext uri="{FF2B5EF4-FFF2-40B4-BE49-F238E27FC236}">
-                  <a16:creationId xmlns:lc="http://schemas.openxmlformats.org/drawingml/2006/lockedCanvas" xmlns:a16="http://schemas.microsoft.com/office/drawing/2014/main" xmlns="" id="{DEEB3194-430D-4A4E-8DEF-5B08710B8A78}"/>
+                  <a16:creationId xmlns="" xmlns:a16="http://schemas.microsoft.com/office/drawing/2014/main" xmlns:lc="http://schemas.openxmlformats.org/drawingml/2006/lockedCanvas" id="{DEEB3194-430D-4A4E-8DEF-5B08710B8A78}"/>
                 </a:ext>
               </a:extLst>
             </p:cNvPr>
@@ -41698,7 +42222,7 @@
             <p:cNvPr id="73" name="그림 72">
               <a:extLst>
                 <a:ext uri="{FF2B5EF4-FFF2-40B4-BE49-F238E27FC236}">
-                  <a16:creationId xmlns:lc="http://schemas.openxmlformats.org/drawingml/2006/lockedCanvas" xmlns:a16="http://schemas.microsoft.com/office/drawing/2014/main" xmlns="" id="{DEEB3194-430D-4A4E-8DEF-5B08710B8A78}"/>
+                  <a16:creationId xmlns="" xmlns:a16="http://schemas.microsoft.com/office/drawing/2014/main" xmlns:lc="http://schemas.openxmlformats.org/drawingml/2006/lockedCanvas" id="{DEEB3194-430D-4A4E-8DEF-5B08710B8A78}"/>
                 </a:ext>
               </a:extLst>
             </p:cNvPr>
@@ -41788,6 +42312,58 @@
               <a:latin typeface="맑은 고딕" pitchFamily="50" charset="-127"/>
               <a:ea typeface="맑은 고딕" pitchFamily="50" charset="-127"/>
             </a:endParaRPr>
+          </a:p>
+        </p:txBody>
+      </p:sp>
+      <p:sp>
+        <p:nvSpPr>
+          <p:cNvPr id="44" name="타원 43"/>
+          <p:cNvSpPr/>
+          <p:nvPr/>
+        </p:nvSpPr>
+        <p:spPr>
+          <a:xfrm>
+            <a:off x="7416316" y="4509120"/>
+            <a:ext cx="1224136" cy="1260140"/>
+          </a:xfrm>
+          <a:prstGeom prst="ellipse">
+            <a:avLst/>
+          </a:prstGeom>
+          <a:solidFill>
+            <a:srgbClr val="00B0F0"/>
+          </a:solidFill>
+          <a:ln w="12700">
+            <a:solidFill>
+              <a:srgbClr val="FF0000"/>
+            </a:solidFill>
+          </a:ln>
+        </p:spPr>
+        <p:style>
+          <a:lnRef idx="2">
+            <a:schemeClr val="accent1">
+              <a:shade val="50000"/>
+            </a:schemeClr>
+          </a:lnRef>
+          <a:fillRef idx="1">
+            <a:schemeClr val="accent1"/>
+          </a:fillRef>
+          <a:effectRef idx="0">
+            <a:schemeClr val="accent1"/>
+          </a:effectRef>
+          <a:fontRef idx="minor">
+            <a:schemeClr val="lt1"/>
+          </a:fontRef>
+        </p:style>
+        <p:txBody>
+          <a:bodyPr rtlCol="0" anchor="ctr"/>
+          <a:lstStyle/>
+          <a:p>
+            <a:pPr algn="ctr"/>
+            <a:r>
+              <a:rPr lang="ko-KR" altLang="en-US" sz="1800" b="1" smtClean="0"/>
+              <a:t>완료</a:t>
+            </a:r>
+            <a:endParaRPr lang="ko-KR" altLang="en-US" sz="1800" b="1"/>
           </a:p>
         </p:txBody>
       </p:sp>
